--- a/resources/Raspberry Pi Repeater Project Presentation.pptx
+++ b/resources/Raspberry Pi Repeater Project Presentation.pptx
@@ -4343,7 +4343,19 @@
           <a:p>
             <a:r>
               <a:rPr lang="en-US" dirty="0" smtClean="0"/>
-              <a:t>With more time, could make </a:t>
+              <a:t>With more time</a:t>
+            </a:r>
+            <a:r>
+              <a:rPr lang="en-US" smtClean="0"/>
+              <a:t>, </a:t>
+            </a:r>
+            <a:r>
+              <a:rPr lang="en-US" smtClean="0"/>
+              <a:t>we could </a:t>
+            </a:r>
+            <a:r>
+              <a:rPr lang="en-US" dirty="0" smtClean="0"/>
+              <a:t>make </a:t>
             </a:r>
             <a:r>
               <a:rPr lang="en-US" dirty="0"/>
